--- a/crowd_count_ppt (2).pptx
+++ b/crowd_count_ppt (2).pptx
@@ -5,7 +5,7 @@
     <p:sldMasterId id="2147483797" r:id="rId4"/>
   </p:sldMasterIdLst>
   <p:notesMasterIdLst>
-    <p:notesMasterId r:id="rId23"/>
+    <p:notesMasterId r:id="rId22"/>
   </p:notesMasterIdLst>
   <p:sldIdLst>
     <p:sldId id="257" r:id="rId5"/>
@@ -17,15 +17,14 @@
     <p:sldId id="264" r:id="rId11"/>
     <p:sldId id="271" r:id="rId12"/>
     <p:sldId id="265" r:id="rId13"/>
-    <p:sldId id="272" r:id="rId14"/>
-    <p:sldId id="270" r:id="rId15"/>
-    <p:sldId id="269" r:id="rId16"/>
-    <p:sldId id="275" r:id="rId17"/>
-    <p:sldId id="274" r:id="rId18"/>
-    <p:sldId id="266" r:id="rId19"/>
-    <p:sldId id="267" r:id="rId20"/>
-    <p:sldId id="268" r:id="rId21"/>
-    <p:sldId id="273" r:id="rId22"/>
+    <p:sldId id="270" r:id="rId14"/>
+    <p:sldId id="269" r:id="rId15"/>
+    <p:sldId id="275" r:id="rId16"/>
+    <p:sldId id="274" r:id="rId17"/>
+    <p:sldId id="266" r:id="rId18"/>
+    <p:sldId id="267" r:id="rId19"/>
+    <p:sldId id="268" r:id="rId20"/>
+    <p:sldId id="273" r:id="rId21"/>
   </p:sldIdLst>
   <p:sldSz cx="12192000" cy="6858000"/>
   <p:notesSz cx="6858000" cy="9144000"/>
@@ -226,7 +225,7 @@
           <a:p>
             <a:fld id="{7BA38705-3DB4-43D3-954C-FF18D96387A3}" type="datetimeFigureOut">
               <a:rPr lang="en-US" smtClean="0"/>
-              <a:t>11/14/2025</a:t>
+              <a:t>11/28/2025</a:t>
             </a:fld>
             <a:endParaRPr lang="en-US"/>
           </a:p>
@@ -1219,7 +1218,7 @@
           <a:p>
             <a:fld id="{ED291B17-9318-49DB-B28B-6E5994AE9581}" type="datetime1">
               <a:rPr lang="en-US" smtClean="0"/>
-              <a:t>11/14/2025</a:t>
+              <a:t>11/28/2025</a:t>
             </a:fld>
             <a:endParaRPr lang="en-US" dirty="0"/>
           </a:p>
@@ -1470,7 +1469,7 @@
           <a:p>
             <a:fld id="{ED291B17-9318-49DB-B28B-6E5994AE9581}" type="datetime1">
               <a:rPr lang="en-US" smtClean="0"/>
-              <a:t>11/14/2025</a:t>
+              <a:t>11/28/2025</a:t>
             </a:fld>
             <a:endParaRPr lang="en-US" dirty="0"/>
           </a:p>
@@ -1785,7 +1784,7 @@
           <a:p>
             <a:fld id="{ED291B17-9318-49DB-B28B-6E5994AE9581}" type="datetime1">
               <a:rPr lang="en-US" smtClean="0"/>
-              <a:t>11/14/2025</a:t>
+              <a:t>11/28/2025</a:t>
             </a:fld>
             <a:endParaRPr lang="en-US" dirty="0"/>
           </a:p>
@@ -2113,7 +2112,7 @@
           <a:p>
             <a:fld id="{ED291B17-9318-49DB-B28B-6E5994AE9581}" type="datetime1">
               <a:rPr lang="en-US" smtClean="0"/>
-              <a:t>11/14/2025</a:t>
+              <a:t>11/28/2025</a:t>
             </a:fld>
             <a:endParaRPr lang="en-US" dirty="0"/>
           </a:p>
@@ -2428,7 +2427,7 @@
           <a:p>
             <a:fld id="{ED291B17-9318-49DB-B28B-6E5994AE9581}" type="datetime1">
               <a:rPr lang="en-US" smtClean="0"/>
-              <a:t>11/14/2025</a:t>
+              <a:t>11/28/2025</a:t>
             </a:fld>
             <a:endParaRPr lang="en-US" dirty="0"/>
           </a:p>
@@ -2816,7 +2815,7 @@
           <a:p>
             <a:fld id="{ED291B17-9318-49DB-B28B-6E5994AE9581}" type="datetime1">
               <a:rPr lang="en-US" smtClean="0"/>
-              <a:t>11/14/2025</a:t>
+              <a:t>11/28/2025</a:t>
             </a:fld>
             <a:endParaRPr lang="en-US" dirty="0"/>
           </a:p>
@@ -2987,7 +2986,7 @@
           <a:p>
             <a:fld id="{2CED4963-E985-44C4-B8C4-FDD613B7C2F8}" type="datetime1">
               <a:rPr lang="en-US" smtClean="0"/>
-              <a:t>11/14/2025</a:t>
+              <a:t>11/28/2025</a:t>
             </a:fld>
             <a:endParaRPr lang="en-US" dirty="0"/>
           </a:p>
@@ -3167,7 +3166,7 @@
           <a:p>
             <a:fld id="{ED291B17-9318-49DB-B28B-6E5994AE9581}" type="datetime1">
               <a:rPr lang="en-US" smtClean="0"/>
-              <a:t>11/14/2025</a:t>
+              <a:t>11/28/2025</a:t>
             </a:fld>
             <a:endParaRPr lang="en-US" dirty="0"/>
           </a:p>
@@ -3337,7 +3336,7 @@
           <a:p>
             <a:fld id="{78DD82B9-B8EE-4375-B6FF-88FA6ABB15D9}" type="datetime1">
               <a:rPr lang="en-US" smtClean="0"/>
-              <a:t>11/14/2025</a:t>
+              <a:t>11/28/2025</a:t>
             </a:fld>
             <a:endParaRPr lang="en-US" dirty="0"/>
           </a:p>
@@ -3584,7 +3583,7 @@
           <a:p>
             <a:fld id="{B2497495-0637-405E-AE64-5CC7506D51F5}" type="datetime1">
               <a:rPr lang="en-US" smtClean="0"/>
-              <a:t>11/14/2025</a:t>
+              <a:t>11/28/2025</a:t>
             </a:fld>
             <a:endParaRPr lang="en-US" dirty="0"/>
           </a:p>
@@ -3816,7 +3815,7 @@
           <a:p>
             <a:fld id="{7BFFD690-9426-415D-8B65-26881E07B2D4}" type="datetime1">
               <a:rPr lang="en-US" smtClean="0"/>
-              <a:t>11/14/2025</a:t>
+              <a:t>11/28/2025</a:t>
             </a:fld>
             <a:endParaRPr lang="en-US" dirty="0"/>
           </a:p>
@@ -4190,7 +4189,7 @@
           <a:p>
             <a:fld id="{04C4989A-474C-40DE-95B9-011C28B71673}" type="datetime1">
               <a:rPr lang="en-US" smtClean="0"/>
-              <a:t>11/14/2025</a:t>
+              <a:t>11/28/2025</a:t>
             </a:fld>
             <a:endParaRPr lang="en-US" dirty="0"/>
           </a:p>
@@ -4313,7 +4312,7 @@
           <a:p>
             <a:fld id="{5DB4ED54-5B5E-4A04-93D3-5772E3CE3818}" type="datetime1">
               <a:rPr lang="en-US" smtClean="0"/>
-              <a:t>11/14/2025</a:t>
+              <a:t>11/28/2025</a:t>
             </a:fld>
             <a:endParaRPr lang="en-US" dirty="0"/>
           </a:p>
@@ -4408,7 +4407,7 @@
           <a:p>
             <a:fld id="{4EDE50D6-574B-40AF-946F-D52A04ADE379}" type="datetime1">
               <a:rPr lang="en-US" smtClean="0"/>
-              <a:t>11/14/2025</a:t>
+              <a:t>11/28/2025</a:t>
             </a:fld>
             <a:endParaRPr lang="en-US" dirty="0"/>
           </a:p>
@@ -4663,7 +4662,7 @@
           <a:p>
             <a:fld id="{D82884F1-FFEA-405F-9602-3DCA865EDA4E}" type="datetime1">
               <a:rPr lang="en-US" smtClean="0"/>
-              <a:t>11/14/2025</a:t>
+              <a:t>11/28/2025</a:t>
             </a:fld>
             <a:endParaRPr lang="en-US" dirty="0"/>
           </a:p>
@@ -4927,7 +4926,7 @@
           <a:p>
             <a:fld id="{7E18DB4A-8810-4A10-AD5C-D5E2C667F5B3}" type="datetime1">
               <a:rPr lang="en-US" smtClean="0"/>
-              <a:t>11/14/2025</a:t>
+              <a:t>11/28/2025</a:t>
             </a:fld>
             <a:endParaRPr lang="en-US" dirty="0"/>
           </a:p>
@@ -5673,7 +5672,7 @@
           <a:p>
             <a:fld id="{ED291B17-9318-49DB-B28B-6E5994AE9581}" type="datetime1">
               <a:rPr lang="en-US" smtClean="0"/>
-              <a:t>11/14/2025</a:t>
+              <a:t>11/28/2025</a:t>
             </a:fld>
             <a:endParaRPr lang="en-US" dirty="0"/>
           </a:p>
@@ -6275,12 +6274,175 @@
           </a:p>
         </p:txBody>
       </p:sp>
+      <p:sp>
+        <p:nvSpPr>
+          <p:cNvPr id="10" name="TextBox 9">
+            <a:extLst>
+              <a:ext uri="{FF2B5EF4-FFF2-40B4-BE49-F238E27FC236}">
+                <a16:creationId xmlns:a16="http://schemas.microsoft.com/office/drawing/2014/main" id="{B8B3D932-46C9-4CB0-8362-688CB068E75A}"/>
+              </a:ext>
+            </a:extLst>
+          </p:cNvPr>
+          <p:cNvSpPr txBox="1"/>
+          <p:nvPr/>
+        </p:nvSpPr>
+        <p:spPr>
+          <a:xfrm>
+            <a:off x="250955" y="3467506"/>
+            <a:ext cx="11685069" cy="523220"/>
+          </a:xfrm>
+          <a:prstGeom prst="rect">
+            <a:avLst/>
+          </a:prstGeom>
+          <a:noFill/>
+        </p:spPr>
+        <p:txBody>
+          <a:bodyPr wrap="square" rtlCol="0">
+            <a:spAutoFit/>
+          </a:bodyPr>
+          <a:lstStyle/>
+          <a:p>
+            <a:pPr algn="ctr"/>
+            <a:r>
+              <a:rPr lang="en-US" sz="2800" b="1" dirty="0">
+                <a:latin typeface="Arial" panose="020B0604020202020204" pitchFamily="34" charset="0"/>
+                <a:cs typeface="Arial" panose="020B0604020202020204" pitchFamily="34" charset="0"/>
+              </a:rPr>
+              <a:t>Real-Time People Counting and Crowd Monitoring System</a:t>
+            </a:r>
+          </a:p>
+        </p:txBody>
+      </p:sp>
+      <p:sp>
+        <p:nvSpPr>
+          <p:cNvPr id="11" name="TextBox 10">
+            <a:extLst>
+              <a:ext uri="{FF2B5EF4-FFF2-40B4-BE49-F238E27FC236}">
+                <a16:creationId xmlns:a16="http://schemas.microsoft.com/office/drawing/2014/main" id="{8F296AEA-2E22-47A0-8F87-3ECCC0BBEEE4}"/>
+              </a:ext>
+            </a:extLst>
+          </p:cNvPr>
+          <p:cNvSpPr txBox="1"/>
+          <p:nvPr/>
+        </p:nvSpPr>
+        <p:spPr>
+          <a:xfrm flipH="1">
+            <a:off x="1230991" y="4602918"/>
+            <a:ext cx="3745269" cy="2246769"/>
+          </a:xfrm>
+          <a:prstGeom prst="rect">
+            <a:avLst/>
+          </a:prstGeom>
+          <a:noFill/>
+        </p:spPr>
+        <p:txBody>
+          <a:bodyPr wrap="square" rtlCol="0">
+            <a:spAutoFit/>
+          </a:bodyPr>
+          <a:lstStyle/>
+          <a:p>
+            <a:r>
+              <a:rPr lang="en-US" sz="2000" dirty="0">
+                <a:latin typeface="Arial" panose="020B0604020202020204" pitchFamily="34" charset="0"/>
+                <a:cs typeface="Arial" panose="020B0604020202020204" pitchFamily="34" charset="0"/>
+              </a:rPr>
+              <a:t>By: Shanta Angadageri</a:t>
+            </a:r>
+          </a:p>
+          <a:p>
+            <a:r>
+              <a:rPr lang="en-US" sz="2000" dirty="0">
+                <a:latin typeface="Arial" panose="020B0604020202020204" pitchFamily="34" charset="0"/>
+                <a:cs typeface="Arial" panose="020B0604020202020204" pitchFamily="34" charset="0"/>
+              </a:rPr>
+              <a:t>Mentor: Asma</a:t>
+            </a:r>
+          </a:p>
+          <a:p>
+            <a:r>
+              <a:rPr lang="en-US" sz="2000" dirty="0">
+                <a:latin typeface="Arial" panose="020B0604020202020204" pitchFamily="34" charset="0"/>
+                <a:cs typeface="Arial" panose="020B0604020202020204" pitchFamily="34" charset="0"/>
+              </a:rPr>
+              <a:t>Batch: 3</a:t>
+            </a:r>
+          </a:p>
+          <a:p>
+            <a:r>
+              <a:rPr lang="en-US" sz="2000" dirty="0">
+                <a:latin typeface="Arial" panose="020B0604020202020204" pitchFamily="34" charset="0"/>
+                <a:cs typeface="Arial" panose="020B0604020202020204" pitchFamily="34" charset="0"/>
+              </a:rPr>
+              <a:t>Start Date: 22 September 2025</a:t>
+            </a:r>
+          </a:p>
+          <a:p>
+            <a:r>
+              <a:rPr lang="en-US" sz="2000" dirty="0">
+                <a:latin typeface="Arial" panose="020B0604020202020204" pitchFamily="34" charset="0"/>
+                <a:cs typeface="Arial" panose="020B0604020202020204" pitchFamily="34" charset="0"/>
+              </a:rPr>
+              <a:t>End Date: 21 November 2025</a:t>
+            </a:r>
+          </a:p>
+          <a:p>
+            <a:endParaRPr lang="en-US" sz="2000" dirty="0">
+              <a:latin typeface="Arial" panose="020B0604020202020204" pitchFamily="34" charset="0"/>
+              <a:cs typeface="Arial" panose="020B0604020202020204" pitchFamily="34" charset="0"/>
+            </a:endParaRPr>
+          </a:p>
+          <a:p>
+            <a:endParaRPr lang="en-US" sz="2000" dirty="0">
+              <a:latin typeface="Arial" panose="020B0604020202020204" pitchFamily="34" charset="0"/>
+              <a:cs typeface="Arial" panose="020B0604020202020204" pitchFamily="34" charset="0"/>
+            </a:endParaRPr>
+          </a:p>
+        </p:txBody>
+      </p:sp>
+      <p:sp>
+        <p:nvSpPr>
+          <p:cNvPr id="3" name="TextBox 2">
+            <a:extLst>
+              <a:ext uri="{FF2B5EF4-FFF2-40B4-BE49-F238E27FC236}">
+                <a16:creationId xmlns:a16="http://schemas.microsoft.com/office/drawing/2014/main" id="{253DB32D-B238-4193-8706-69902575D654}"/>
+              </a:ext>
+            </a:extLst>
+          </p:cNvPr>
+          <p:cNvSpPr txBox="1"/>
+          <p:nvPr/>
+        </p:nvSpPr>
+        <p:spPr>
+          <a:xfrm>
+            <a:off x="887088" y="280287"/>
+            <a:ext cx="9644515" cy="646331"/>
+          </a:xfrm>
+          <a:prstGeom prst="rect">
+            <a:avLst/>
+          </a:prstGeom>
+          <a:noFill/>
+        </p:spPr>
+        <p:txBody>
+          <a:bodyPr wrap="square" rtlCol="0">
+            <a:spAutoFit/>
+          </a:bodyPr>
+          <a:lstStyle/>
+          <a:p>
+            <a:r>
+              <a:rPr lang="en-US" sz="3600" b="1" dirty="0">
+                <a:latin typeface="Arial" panose="020B0604020202020204" pitchFamily="34" charset="0"/>
+                <a:cs typeface="Arial" panose="020B0604020202020204" pitchFamily="34" charset="0"/>
+              </a:rPr>
+              <a:t>Infosys Springboard Virtual Internship 6.0</a:t>
+            </a:r>
+          </a:p>
+        </p:txBody>
+      </p:sp>
       <p:pic>
         <p:nvPicPr>
-          <p:cNvPr id="8" name="Picture 7">
+          <p:cNvPr id="5" name="Picture 4">
             <a:extLst>
               <a:ext uri="{FF2B5EF4-FFF2-40B4-BE49-F238E27FC236}">
-                <a16:creationId xmlns:a16="http://schemas.microsoft.com/office/drawing/2014/main" id="{05AA8E9A-9E4F-4F66-91FC-6BA2FF2D19B4}"/>
+                <a16:creationId xmlns:a16="http://schemas.microsoft.com/office/drawing/2014/main" id="{6CD5EAFF-DD65-4CB5-ACEE-4E955F35882E}"/>
               </a:ext>
             </a:extLst>
           </p:cNvPr>
@@ -6297,177 +6459,14 @@
         </p:blipFill>
         <p:spPr>
           <a:xfrm>
-            <a:off x="4313483" y="903617"/>
-            <a:ext cx="2791727" cy="1861151"/>
+            <a:off x="3569169" y="1233280"/>
+            <a:ext cx="4073290" cy="1259879"/>
           </a:xfrm>
           <a:prstGeom prst="rect">
             <a:avLst/>
           </a:prstGeom>
         </p:spPr>
       </p:pic>
-      <p:sp>
-        <p:nvSpPr>
-          <p:cNvPr id="10" name="TextBox 9">
-            <a:extLst>
-              <a:ext uri="{FF2B5EF4-FFF2-40B4-BE49-F238E27FC236}">
-                <a16:creationId xmlns:a16="http://schemas.microsoft.com/office/drawing/2014/main" id="{B8B3D932-46C9-4CB0-8362-688CB068E75A}"/>
-              </a:ext>
-            </a:extLst>
-          </p:cNvPr>
-          <p:cNvSpPr txBox="1"/>
-          <p:nvPr/>
-        </p:nvSpPr>
-        <p:spPr>
-          <a:xfrm>
-            <a:off x="250955" y="3467506"/>
-            <a:ext cx="11685069" cy="523220"/>
-          </a:xfrm>
-          <a:prstGeom prst="rect">
-            <a:avLst/>
-          </a:prstGeom>
-          <a:noFill/>
-        </p:spPr>
-        <p:txBody>
-          <a:bodyPr wrap="square" rtlCol="0">
-            <a:spAutoFit/>
-          </a:bodyPr>
-          <a:lstStyle/>
-          <a:p>
-            <a:pPr algn="ctr"/>
-            <a:r>
-              <a:rPr lang="en-US" sz="2800" b="1" dirty="0">
-                <a:latin typeface="Arial" panose="020B0604020202020204" pitchFamily="34" charset="0"/>
-                <a:cs typeface="Arial" panose="020B0604020202020204" pitchFamily="34" charset="0"/>
-              </a:rPr>
-              <a:t>Real-Time People Counting and Crowd Monitoring System</a:t>
-            </a:r>
-          </a:p>
-        </p:txBody>
-      </p:sp>
-      <p:sp>
-        <p:nvSpPr>
-          <p:cNvPr id="11" name="TextBox 10">
-            <a:extLst>
-              <a:ext uri="{FF2B5EF4-FFF2-40B4-BE49-F238E27FC236}">
-                <a16:creationId xmlns:a16="http://schemas.microsoft.com/office/drawing/2014/main" id="{8F296AEA-2E22-47A0-8F87-3ECCC0BBEEE4}"/>
-              </a:ext>
-            </a:extLst>
-          </p:cNvPr>
-          <p:cNvSpPr txBox="1"/>
-          <p:nvPr/>
-        </p:nvSpPr>
-        <p:spPr>
-          <a:xfrm flipH="1">
-            <a:off x="1230991" y="4602918"/>
-            <a:ext cx="3745269" cy="2246769"/>
-          </a:xfrm>
-          <a:prstGeom prst="rect">
-            <a:avLst/>
-          </a:prstGeom>
-          <a:noFill/>
-        </p:spPr>
-        <p:txBody>
-          <a:bodyPr wrap="square" rtlCol="0">
-            <a:spAutoFit/>
-          </a:bodyPr>
-          <a:lstStyle/>
-          <a:p>
-            <a:r>
-              <a:rPr lang="en-US" sz="2000" dirty="0">
-                <a:latin typeface="Arial" panose="020B0604020202020204" pitchFamily="34" charset="0"/>
-                <a:cs typeface="Arial" panose="020B0604020202020204" pitchFamily="34" charset="0"/>
-              </a:rPr>
-              <a:t>By: Shanta Angadageri</a:t>
-            </a:r>
-          </a:p>
-          <a:p>
-            <a:r>
-              <a:rPr lang="en-US" sz="2000" dirty="0">
-                <a:latin typeface="Arial" panose="020B0604020202020204" pitchFamily="34" charset="0"/>
-                <a:cs typeface="Arial" panose="020B0604020202020204" pitchFamily="34" charset="0"/>
-              </a:rPr>
-              <a:t>Mentor: Asma</a:t>
-            </a:r>
-          </a:p>
-          <a:p>
-            <a:r>
-              <a:rPr lang="en-US" sz="2000" dirty="0">
-                <a:latin typeface="Arial" panose="020B0604020202020204" pitchFamily="34" charset="0"/>
-                <a:cs typeface="Arial" panose="020B0604020202020204" pitchFamily="34" charset="0"/>
-              </a:rPr>
-              <a:t>Batch: 3</a:t>
-            </a:r>
-          </a:p>
-          <a:p>
-            <a:r>
-              <a:rPr lang="en-US" sz="2000" dirty="0">
-                <a:latin typeface="Arial" panose="020B0604020202020204" pitchFamily="34" charset="0"/>
-                <a:cs typeface="Arial" panose="020B0604020202020204" pitchFamily="34" charset="0"/>
-              </a:rPr>
-              <a:t>Start Date: 22 September 2025</a:t>
-            </a:r>
-          </a:p>
-          <a:p>
-            <a:r>
-              <a:rPr lang="en-US" sz="2000" dirty="0">
-                <a:latin typeface="Arial" panose="020B0604020202020204" pitchFamily="34" charset="0"/>
-                <a:cs typeface="Arial" panose="020B0604020202020204" pitchFamily="34" charset="0"/>
-              </a:rPr>
-              <a:t>End Date: 21 November 2025</a:t>
-            </a:r>
-          </a:p>
-          <a:p>
-            <a:endParaRPr lang="en-US" sz="2000" dirty="0">
-              <a:latin typeface="Arial" panose="020B0604020202020204" pitchFamily="34" charset="0"/>
-              <a:cs typeface="Arial" panose="020B0604020202020204" pitchFamily="34" charset="0"/>
-            </a:endParaRPr>
-          </a:p>
-          <a:p>
-            <a:endParaRPr lang="en-US" sz="2000" dirty="0">
-              <a:latin typeface="Arial" panose="020B0604020202020204" pitchFamily="34" charset="0"/>
-              <a:cs typeface="Arial" panose="020B0604020202020204" pitchFamily="34" charset="0"/>
-            </a:endParaRPr>
-          </a:p>
-        </p:txBody>
-      </p:sp>
-      <p:sp>
-        <p:nvSpPr>
-          <p:cNvPr id="3" name="TextBox 2">
-            <a:extLst>
-              <a:ext uri="{FF2B5EF4-FFF2-40B4-BE49-F238E27FC236}">
-                <a16:creationId xmlns:a16="http://schemas.microsoft.com/office/drawing/2014/main" id="{253DB32D-B238-4193-8706-69902575D654}"/>
-              </a:ext>
-            </a:extLst>
-          </p:cNvPr>
-          <p:cNvSpPr txBox="1"/>
-          <p:nvPr/>
-        </p:nvSpPr>
-        <p:spPr>
-          <a:xfrm>
-            <a:off x="887088" y="280287"/>
-            <a:ext cx="9644515" cy="646331"/>
-          </a:xfrm>
-          <a:prstGeom prst="rect">
-            <a:avLst/>
-          </a:prstGeom>
-          <a:noFill/>
-        </p:spPr>
-        <p:txBody>
-          <a:bodyPr wrap="square" rtlCol="0">
-            <a:spAutoFit/>
-          </a:bodyPr>
-          <a:lstStyle/>
-          <a:p>
-            <a:r>
-              <a:rPr lang="en-US" sz="3600" b="1" dirty="0">
-                <a:latin typeface="Arial" panose="020B0604020202020204" pitchFamily="34" charset="0"/>
-                <a:cs typeface="Arial" panose="020B0604020202020204" pitchFamily="34" charset="0"/>
-              </a:rPr>
-              <a:t>Infosys Springboard Virtual Internship 6.0</a:t>
-            </a:r>
-          </a:p>
-        </p:txBody>
-      </p:sp>
     </p:spTree>
     <p:extLst>
       <p:ext uri="{BB962C8B-B14F-4D97-AF65-F5344CB8AC3E}">
@@ -6498,65 +6497,6 @@
           <a:chExt cx="0" cy="0"/>
         </a:xfrm>
       </p:grpSpPr>
-      <p:pic>
-        <p:nvPicPr>
-          <p:cNvPr id="5" name="Content Placeholder 4">
-            <a:extLst>
-              <a:ext uri="{FF2B5EF4-FFF2-40B4-BE49-F238E27FC236}">
-                <a16:creationId xmlns:a16="http://schemas.microsoft.com/office/drawing/2014/main" id="{659397AE-E0F7-4BE5-BFC3-FB107945CB74}"/>
-              </a:ext>
-            </a:extLst>
-          </p:cNvPr>
-          <p:cNvPicPr>
-            <a:picLocks noGrp="1" noChangeAspect="1"/>
-          </p:cNvPicPr>
-          <p:nvPr>
-            <p:ph idx="1"/>
-          </p:nvPr>
-        </p:nvPicPr>
-        <p:blipFill>
-          <a:blip r:embed="rId2"/>
-          <a:stretch>
-            <a:fillRect/>
-          </a:stretch>
-        </p:blipFill>
-        <p:spPr>
-          <a:xfrm>
-            <a:off x="1367478" y="831403"/>
-            <a:ext cx="7554335" cy="4925495"/>
-          </a:xfrm>
-        </p:spPr>
-      </p:pic>
-    </p:spTree>
-    <p:extLst>
-      <p:ext uri="{BB962C8B-B14F-4D97-AF65-F5344CB8AC3E}">
-        <p14:creationId xmlns:p14="http://schemas.microsoft.com/office/powerpoint/2010/main" val="2114103001"/>
-      </p:ext>
-    </p:extLst>
-  </p:cSld>
-  <p:clrMapOvr>
-    <a:masterClrMapping/>
-  </p:clrMapOvr>
-</p:sld>
-</file>
-
-<file path=ppt/slides/slide11.xml><?xml version="1.0" encoding="utf-8"?>
-<p:sld xmlns:a="http://schemas.openxmlformats.org/drawingml/2006/main" xmlns:r="http://schemas.openxmlformats.org/officeDocument/2006/relationships" xmlns:p="http://schemas.openxmlformats.org/presentationml/2006/main">
-  <p:cSld>
-    <p:spTree>
-      <p:nvGrpSpPr>
-        <p:cNvPr id="1" name=""/>
-        <p:cNvGrpSpPr/>
-        <p:nvPr/>
-      </p:nvGrpSpPr>
-      <p:grpSpPr>
-        <a:xfrm>
-          <a:off x="0" y="0"/>
-          <a:ext cx="0" cy="0"/>
-          <a:chOff x="0" y="0"/>
-          <a:chExt cx="0" cy="0"/>
-        </a:xfrm>
-      </p:grpSpPr>
       <p:sp>
         <p:nvSpPr>
           <p:cNvPr id="6" name="TextBox 5">
@@ -6571,7 +6511,7 @@
         </p:nvSpPr>
         <p:spPr>
           <a:xfrm>
-            <a:off x="677334" y="385011"/>
+            <a:off x="1283726" y="898507"/>
             <a:ext cx="3118585" cy="584775"/>
           </a:xfrm>
           <a:prstGeom prst="rect">
@@ -6852,6 +6792,36 @@
           </a:p>
         </p:txBody>
       </p:sp>
+      <p:pic>
+        <p:nvPicPr>
+          <p:cNvPr id="7" name="Picture 6">
+            <a:extLst>
+              <a:ext uri="{FF2B5EF4-FFF2-40B4-BE49-F238E27FC236}">
+                <a16:creationId xmlns:a16="http://schemas.microsoft.com/office/drawing/2014/main" id="{0EBCED92-C326-499B-BC32-DAD94744D00B}"/>
+              </a:ext>
+            </a:extLst>
+          </p:cNvPr>
+          <p:cNvPicPr>
+            <a:picLocks noChangeAspect="1"/>
+          </p:cNvPicPr>
+          <p:nvPr/>
+        </p:nvPicPr>
+        <p:blipFill>
+          <a:blip r:embed="rId4"/>
+          <a:stretch>
+            <a:fillRect/>
+          </a:stretch>
+        </p:blipFill>
+        <p:spPr>
+          <a:xfrm>
+            <a:off x="279132" y="168442"/>
+            <a:ext cx="1636295" cy="506110"/>
+          </a:xfrm>
+          <a:prstGeom prst="rect">
+            <a:avLst/>
+          </a:prstGeom>
+        </p:spPr>
+      </p:pic>
     </p:spTree>
     <p:extLst>
       <p:ext uri="{BB962C8B-B14F-4D97-AF65-F5344CB8AC3E}">
@@ -6865,7 +6835,7 @@
 </p:sld>
 </file>
 
-<file path=ppt/slides/slide12.xml><?xml version="1.0" encoding="utf-8"?>
+<file path=ppt/slides/slide11.xml><?xml version="1.0" encoding="utf-8"?>
 <p:sld xmlns:a="http://schemas.openxmlformats.org/drawingml/2006/main" xmlns:r="http://schemas.openxmlformats.org/officeDocument/2006/relationships" xmlns:p="http://schemas.openxmlformats.org/presentationml/2006/main">
   <p:cSld>
     <p:spTree>
@@ -6896,7 +6866,7 @@
         </p:nvSpPr>
         <p:spPr>
           <a:xfrm>
-            <a:off x="815743" y="360948"/>
+            <a:off x="988997" y="806888"/>
             <a:ext cx="6097604" cy="584775"/>
           </a:xfrm>
           <a:prstGeom prst="rect">
@@ -7046,6 +7016,36 @@
           </a:p>
         </p:txBody>
       </p:sp>
+      <p:pic>
+        <p:nvPicPr>
+          <p:cNvPr id="5" name="Picture 4">
+            <a:extLst>
+              <a:ext uri="{FF2B5EF4-FFF2-40B4-BE49-F238E27FC236}">
+                <a16:creationId xmlns:a16="http://schemas.microsoft.com/office/drawing/2014/main" id="{D98B0B25-90A7-4F17-8EC0-62C4582EDCC7}"/>
+              </a:ext>
+            </a:extLst>
+          </p:cNvPr>
+          <p:cNvPicPr>
+            <a:picLocks noChangeAspect="1"/>
+          </p:cNvPicPr>
+          <p:nvPr/>
+        </p:nvPicPr>
+        <p:blipFill>
+          <a:blip r:embed="rId3"/>
+          <a:stretch>
+            <a:fillRect/>
+          </a:stretch>
+        </p:blipFill>
+        <p:spPr>
+          <a:xfrm>
+            <a:off x="279132" y="168442"/>
+            <a:ext cx="1636295" cy="506110"/>
+          </a:xfrm>
+          <a:prstGeom prst="rect">
+            <a:avLst/>
+          </a:prstGeom>
+        </p:spPr>
+      </p:pic>
     </p:spTree>
     <p:extLst>
       <p:ext uri="{BB962C8B-B14F-4D97-AF65-F5344CB8AC3E}">
@@ -7059,7 +7059,7 @@
 </p:sld>
 </file>
 
-<file path=ppt/slides/slide13.xml><?xml version="1.0" encoding="utf-8"?>
+<file path=ppt/slides/slide12.xml><?xml version="1.0" encoding="utf-8"?>
 <p:sld xmlns:a="http://schemas.openxmlformats.org/drawingml/2006/main" xmlns:r="http://schemas.openxmlformats.org/officeDocument/2006/relationships" xmlns:p="http://schemas.openxmlformats.org/presentationml/2006/main">
   <p:cSld>
     <p:spTree>
@@ -7120,8 +7120,8 @@
         </p:nvSpPr>
         <p:spPr>
           <a:xfrm>
-            <a:off x="981183" y="314003"/>
-            <a:ext cx="3246121" cy="584775"/>
+            <a:off x="376218" y="481264"/>
+            <a:ext cx="9115718" cy="584775"/>
           </a:xfrm>
           <a:prstGeom prst="rect">
             <a:avLst/>
@@ -7134,6 +7134,7 @@
           </a:bodyPr>
           <a:lstStyle/>
           <a:p>
+            <a:pPr algn="ctr"/>
             <a:r>
               <a:rPr lang="en-US" sz="3200" dirty="0">
                 <a:latin typeface="Arial" panose="020B0604020202020204" pitchFamily="34" charset="0"/>
@@ -7144,6 +7145,36 @@
           </a:p>
         </p:txBody>
       </p:sp>
+      <p:pic>
+        <p:nvPicPr>
+          <p:cNvPr id="4" name="Picture 3">
+            <a:extLst>
+              <a:ext uri="{FF2B5EF4-FFF2-40B4-BE49-F238E27FC236}">
+                <a16:creationId xmlns:a16="http://schemas.microsoft.com/office/drawing/2014/main" id="{7D31B0EB-65E7-4F35-9C70-023E9698B24D}"/>
+              </a:ext>
+            </a:extLst>
+          </p:cNvPr>
+          <p:cNvPicPr>
+            <a:picLocks noChangeAspect="1"/>
+          </p:cNvPicPr>
+          <p:nvPr/>
+        </p:nvPicPr>
+        <p:blipFill>
+          <a:blip r:embed="rId3"/>
+          <a:stretch>
+            <a:fillRect/>
+          </a:stretch>
+        </p:blipFill>
+        <p:spPr>
+          <a:xfrm>
+            <a:off x="279132" y="168442"/>
+            <a:ext cx="1636295" cy="506110"/>
+          </a:xfrm>
+          <a:prstGeom prst="rect">
+            <a:avLst/>
+          </a:prstGeom>
+        </p:spPr>
+      </p:pic>
     </p:spTree>
     <p:extLst>
       <p:ext uri="{BB962C8B-B14F-4D97-AF65-F5344CB8AC3E}">
@@ -7157,7 +7188,7 @@
 </p:sld>
 </file>
 
-<file path=ppt/slides/slide14.xml><?xml version="1.0" encoding="utf-8"?>
+<file path=ppt/slides/slide13.xml><?xml version="1.0" encoding="utf-8"?>
 <p:sld xmlns:a="http://schemas.openxmlformats.org/drawingml/2006/main" xmlns:r="http://schemas.openxmlformats.org/officeDocument/2006/relationships" xmlns:p="http://schemas.openxmlformats.org/presentationml/2006/main">
   <p:cSld>
     <p:spTree>
@@ -7188,7 +7219,7 @@
         </p:nvSpPr>
         <p:spPr>
           <a:xfrm>
-            <a:off x="677334" y="385011"/>
+            <a:off x="2892333" y="423423"/>
             <a:ext cx="3118585" cy="584775"/>
           </a:xfrm>
           <a:prstGeom prst="rect">
@@ -7271,10 +7302,275 @@
           </a:prstGeom>
         </p:spPr>
       </p:pic>
+      <p:pic>
+        <p:nvPicPr>
+          <p:cNvPr id="5" name="Picture 4">
+            <a:extLst>
+              <a:ext uri="{FF2B5EF4-FFF2-40B4-BE49-F238E27FC236}">
+                <a16:creationId xmlns:a16="http://schemas.microsoft.com/office/drawing/2014/main" id="{6255D643-7ED6-4ABA-AE96-790A799F2E3B}"/>
+              </a:ext>
+            </a:extLst>
+          </p:cNvPr>
+          <p:cNvPicPr>
+            <a:picLocks noChangeAspect="1"/>
+          </p:cNvPicPr>
+          <p:nvPr/>
+        </p:nvPicPr>
+        <p:blipFill>
+          <a:blip r:embed="rId4"/>
+          <a:stretch>
+            <a:fillRect/>
+          </a:stretch>
+        </p:blipFill>
+        <p:spPr>
+          <a:xfrm>
+            <a:off x="279132" y="168442"/>
+            <a:ext cx="1636295" cy="506110"/>
+          </a:xfrm>
+          <a:prstGeom prst="rect">
+            <a:avLst/>
+          </a:prstGeom>
+        </p:spPr>
+      </p:pic>
     </p:spTree>
     <p:extLst>
       <p:ext uri="{BB962C8B-B14F-4D97-AF65-F5344CB8AC3E}">
         <p14:creationId xmlns:p14="http://schemas.microsoft.com/office/powerpoint/2010/main" val="2112253905"/>
+      </p:ext>
+    </p:extLst>
+  </p:cSld>
+  <p:clrMapOvr>
+    <a:masterClrMapping/>
+  </p:clrMapOvr>
+</p:sld>
+</file>
+
+<file path=ppt/slides/slide14.xml><?xml version="1.0" encoding="utf-8"?>
+<p:sld xmlns:a="http://schemas.openxmlformats.org/drawingml/2006/main" xmlns:r="http://schemas.openxmlformats.org/officeDocument/2006/relationships" xmlns:p="http://schemas.openxmlformats.org/presentationml/2006/main">
+  <p:cSld>
+    <p:spTree>
+      <p:nvGrpSpPr>
+        <p:cNvPr id="1" name=""/>
+        <p:cNvGrpSpPr/>
+        <p:nvPr/>
+      </p:nvGrpSpPr>
+      <p:grpSpPr>
+        <a:xfrm>
+          <a:off x="0" y="0"/>
+          <a:ext cx="0" cy="0"/>
+          <a:chOff x="0" y="0"/>
+          <a:chExt cx="0" cy="0"/>
+        </a:xfrm>
+      </p:grpSpPr>
+      <p:sp>
+        <p:nvSpPr>
+          <p:cNvPr id="2" name="Title 1">
+            <a:extLst>
+              <a:ext uri="{FF2B5EF4-FFF2-40B4-BE49-F238E27FC236}">
+                <a16:creationId xmlns:a16="http://schemas.microsoft.com/office/drawing/2014/main" id="{DEFE19AB-B73D-43E6-B1D0-A8DD09F74091}"/>
+              </a:ext>
+            </a:extLst>
+          </p:cNvPr>
+          <p:cNvSpPr>
+            <a:spLocks noGrp="1"/>
+          </p:cNvSpPr>
+          <p:nvPr>
+            <p:ph type="title"/>
+          </p:nvPr>
+        </p:nvSpPr>
+        <p:spPr>
+          <a:xfrm>
+            <a:off x="581192" y="246588"/>
+            <a:ext cx="9380955" cy="658842"/>
+          </a:xfrm>
+        </p:spPr>
+        <p:txBody>
+          <a:bodyPr>
+            <a:normAutofit/>
+          </a:bodyPr>
+          <a:lstStyle/>
+          <a:p>
+            <a:pPr algn="ctr"/>
+            <a:r>
+              <a:rPr lang="en-US" sz="3200" b="1" dirty="0">
+                <a:latin typeface="Arial" panose="020B0604020202020204" pitchFamily="34" charset="0"/>
+                <a:cs typeface="Arial" panose="020B0604020202020204" pitchFamily="34" charset="0"/>
+              </a:rPr>
+              <a:t>APPLICATIONS</a:t>
+            </a:r>
+            <a:endParaRPr lang="en-US" sz="3200" b="1" dirty="0"/>
+          </a:p>
+        </p:txBody>
+      </p:sp>
+      <p:sp>
+        <p:nvSpPr>
+          <p:cNvPr id="3" name="Content Placeholder 2">
+            <a:extLst>
+              <a:ext uri="{FF2B5EF4-FFF2-40B4-BE49-F238E27FC236}">
+                <a16:creationId xmlns:a16="http://schemas.microsoft.com/office/drawing/2014/main" id="{ABA2ED99-E16E-471A-A411-84CC30F94C72}"/>
+              </a:ext>
+            </a:extLst>
+          </p:cNvPr>
+          <p:cNvSpPr>
+            <a:spLocks noGrp="1"/>
+          </p:cNvSpPr>
+          <p:nvPr>
+            <p:ph idx="1"/>
+          </p:nvPr>
+        </p:nvSpPr>
+        <p:spPr>
+          <a:xfrm>
+            <a:off x="472106" y="1173794"/>
+            <a:ext cx="9563835" cy="5506139"/>
+          </a:xfrm>
+        </p:spPr>
+        <p:txBody>
+          <a:bodyPr>
+            <a:noAutofit/>
+          </a:bodyPr>
+          <a:lstStyle/>
+          <a:p>
+            <a:pPr algn="just"/>
+            <a:r>
+              <a:rPr lang="en-US" sz="2000" b="1" i="0" dirty="0">
+                <a:effectLst/>
+                <a:latin typeface="Arial" panose="020B0604020202020204" pitchFamily="34" charset="0"/>
+                <a:cs typeface="Arial" panose="020B0604020202020204" pitchFamily="34" charset="0"/>
+              </a:rPr>
+              <a:t>Retail and Commercial Environments</a:t>
+            </a:r>
+            <a:r>
+              <a:rPr lang="en-US" sz="2000" b="0" i="0" dirty="0">
+                <a:effectLst/>
+                <a:latin typeface="Arial" panose="020B0604020202020204" pitchFamily="34" charset="0"/>
+                <a:cs typeface="Arial" panose="020B0604020202020204" pitchFamily="34" charset="0"/>
+              </a:rPr>
+              <a:t>: Analyze visitor density in malls, stores, and commercial venues to improve customer experience, optimize staffing, and reduce bottlenecks.​ Manage queues and adjust entry/exit flows based on live occupancy data.</a:t>
+            </a:r>
+          </a:p>
+          <a:p>
+            <a:pPr algn="just"/>
+            <a:r>
+              <a:rPr lang="en-US" sz="2000" b="1" i="0" dirty="0">
+                <a:effectLst/>
+                <a:latin typeface="Arial" panose="020B0604020202020204" pitchFamily="34" charset="0"/>
+                <a:cs typeface="Arial" panose="020B0604020202020204" pitchFamily="34" charset="0"/>
+              </a:rPr>
+              <a:t>Public Safety and Event Management: </a:t>
+            </a:r>
+            <a:r>
+              <a:rPr lang="en-US" sz="2000" b="0" i="0" dirty="0">
+                <a:effectLst/>
+                <a:latin typeface="Arial" panose="020B0604020202020204" pitchFamily="34" charset="0"/>
+                <a:cs typeface="Arial" panose="020B0604020202020204" pitchFamily="34" charset="0"/>
+              </a:rPr>
+              <a:t>Monitor crowd density at large gatherings such as concerts, sporting events, and religious festivals to prevent overcrowding and stampedes. Detect unusual or risky behaviors and generate real-time alerts for security teams ​</a:t>
+            </a:r>
+          </a:p>
+          <a:p>
+            <a:pPr algn="just"/>
+            <a:r>
+              <a:rPr lang="en-US" sz="2000" b="1" i="0" dirty="0">
+                <a:effectLst/>
+                <a:latin typeface="Arial" panose="020B0604020202020204" pitchFamily="34" charset="0"/>
+                <a:cs typeface="Arial" panose="020B0604020202020204" pitchFamily="34" charset="0"/>
+              </a:rPr>
+              <a:t>Transport Hubs and City Spaces: </a:t>
+            </a:r>
+            <a:r>
+              <a:rPr lang="en-US" sz="2000" b="0" i="0" dirty="0">
+                <a:effectLst/>
+                <a:latin typeface="Arial" panose="020B0604020202020204" pitchFamily="34" charset="0"/>
+                <a:cs typeface="Arial" panose="020B0604020202020204" pitchFamily="34" charset="0"/>
+              </a:rPr>
+              <a:t>Track crowd movement and occupancy at airports, train stations, and bus terminals for efficient resource allocation and congestion prevention Assist city planners in analyzing pedestrian flow and optimizing urban design for safer and more accessible public spaces.</a:t>
+            </a:r>
+          </a:p>
+          <a:p>
+            <a:pPr algn="just"/>
+            <a:r>
+              <a:rPr lang="en-US" sz="2000" b="1" i="0" dirty="0">
+                <a:effectLst/>
+                <a:latin typeface="Arial" panose="020B0604020202020204" pitchFamily="34" charset="0"/>
+                <a:cs typeface="Arial" panose="020B0604020202020204" pitchFamily="34" charset="0"/>
+              </a:rPr>
+              <a:t>Threat Detection and Security</a:t>
+            </a:r>
+            <a:r>
+              <a:rPr lang="en-US" sz="2000" b="1" dirty="0">
+                <a:latin typeface="Arial" panose="020B0604020202020204" pitchFamily="34" charset="0"/>
+                <a:cs typeface="Arial" panose="020B0604020202020204" pitchFamily="34" charset="0"/>
+              </a:rPr>
+              <a:t>: </a:t>
+            </a:r>
+            <a:r>
+              <a:rPr lang="en-US" sz="2000" b="0" i="0" dirty="0">
+                <a:effectLst/>
+                <a:latin typeface="Arial" panose="020B0604020202020204" pitchFamily="34" charset="0"/>
+                <a:cs typeface="Arial" panose="020B0604020202020204" pitchFamily="34" charset="0"/>
+              </a:rPr>
+              <a:t>Identify potential threats like overcrowding, stampedes, and abnormal crowd movements using AI and machine learning models</a:t>
+            </a:r>
+            <a:r>
+              <a:rPr lang="en-US" sz="2000" dirty="0">
+                <a:latin typeface="Arial" panose="020B0604020202020204" pitchFamily="34" charset="0"/>
+                <a:cs typeface="Arial" panose="020B0604020202020204" pitchFamily="34" charset="0"/>
+              </a:rPr>
+              <a:t>. </a:t>
+            </a:r>
+            <a:r>
+              <a:rPr lang="en-US" sz="2000" b="0" i="0" dirty="0">
+                <a:effectLst/>
+                <a:latin typeface="Arial" panose="020B0604020202020204" pitchFamily="34" charset="0"/>
+                <a:cs typeface="Arial" panose="020B0604020202020204" pitchFamily="34" charset="0"/>
+              </a:rPr>
+              <a:t>Facilitate quick incident response by integrating alerts and logs with emergency services systems.</a:t>
+            </a:r>
+          </a:p>
+          <a:p>
+            <a:pPr algn="just"/>
+            <a:endParaRPr lang="en-US" sz="2000" b="0" i="0" dirty="0">
+              <a:effectLst/>
+              <a:latin typeface="Arial" panose="020B0604020202020204" pitchFamily="34" charset="0"/>
+              <a:cs typeface="Arial" panose="020B0604020202020204" pitchFamily="34" charset="0"/>
+            </a:endParaRPr>
+          </a:p>
+        </p:txBody>
+      </p:sp>
+      <p:pic>
+        <p:nvPicPr>
+          <p:cNvPr id="4" name="Picture 3">
+            <a:extLst>
+              <a:ext uri="{FF2B5EF4-FFF2-40B4-BE49-F238E27FC236}">
+                <a16:creationId xmlns:a16="http://schemas.microsoft.com/office/drawing/2014/main" id="{9945BCCE-446A-424B-BE97-BC6FA4A25928}"/>
+              </a:ext>
+            </a:extLst>
+          </p:cNvPr>
+          <p:cNvPicPr>
+            <a:picLocks noChangeAspect="1"/>
+          </p:cNvPicPr>
+          <p:nvPr/>
+        </p:nvPicPr>
+        <p:blipFill>
+          <a:blip r:embed="rId2"/>
+          <a:stretch>
+            <a:fillRect/>
+          </a:stretch>
+        </p:blipFill>
+        <p:spPr>
+          <a:xfrm>
+            <a:off x="279132" y="168442"/>
+            <a:ext cx="1636295" cy="506110"/>
+          </a:xfrm>
+          <a:prstGeom prst="rect">
+            <a:avLst/>
+          </a:prstGeom>
+        </p:spPr>
+      </p:pic>
+    </p:spTree>
+    <p:extLst>
+      <p:ext uri="{BB962C8B-B14F-4D97-AF65-F5344CB8AC3E}">
+        <p14:creationId xmlns:p14="http://schemas.microsoft.com/office/powerpoint/2010/main" val="4238824862"/>
       </p:ext>
     </p:extLst>
   </p:cSld>
@@ -7306,7 +7602,7 @@
           <p:cNvPr id="2" name="Title 1">
             <a:extLst>
               <a:ext uri="{FF2B5EF4-FFF2-40B4-BE49-F238E27FC236}">
-                <a16:creationId xmlns:a16="http://schemas.microsoft.com/office/drawing/2014/main" id="{DEFE19AB-B73D-43E6-B1D0-A8DD09F74091}"/>
+                <a16:creationId xmlns:a16="http://schemas.microsoft.com/office/drawing/2014/main" id="{AFB5A2ED-BEFF-43D0-A25E-AD34FA6EEF36}"/>
               </a:ext>
             </a:extLst>
           </p:cNvPr>
@@ -7319,8 +7615,8 @@
         </p:nvSpPr>
         <p:spPr>
           <a:xfrm>
-            <a:off x="581192" y="246588"/>
-            <a:ext cx="11029616" cy="658842"/>
+            <a:off x="581192" y="309150"/>
+            <a:ext cx="9072947" cy="591465"/>
           </a:xfrm>
         </p:spPr>
         <p:txBody>
@@ -7329,12 +7625,13 @@
           </a:bodyPr>
           <a:lstStyle/>
           <a:p>
+            <a:pPr algn="ctr"/>
             <a:r>
               <a:rPr lang="en-US" sz="3200" b="1" dirty="0">
                 <a:latin typeface="Arial" panose="020B0604020202020204" pitchFamily="34" charset="0"/>
                 <a:cs typeface="Arial" panose="020B0604020202020204" pitchFamily="34" charset="0"/>
               </a:rPr>
-              <a:t>APPLICATIONS</a:t>
+              <a:t>FUTURE ENHANCEMENT</a:t>
             </a:r>
             <a:endParaRPr lang="en-US" sz="3200" b="1" dirty="0"/>
           </a:p>
@@ -7345,7 +7642,7 @@
           <p:cNvPr id="3" name="Content Placeholder 2">
             <a:extLst>
               <a:ext uri="{FF2B5EF4-FFF2-40B4-BE49-F238E27FC236}">
-                <a16:creationId xmlns:a16="http://schemas.microsoft.com/office/drawing/2014/main" id="{ABA2ED99-E16E-471A-A411-84CC30F94C72}"/>
+                <a16:creationId xmlns:a16="http://schemas.microsoft.com/office/drawing/2014/main" id="{2F2F1C32-5536-467D-8B85-E43940C129F1}"/>
               </a:ext>
             </a:extLst>
           </p:cNvPr>
@@ -7358,8 +7655,8 @@
         </p:nvSpPr>
         <p:spPr>
           <a:xfrm>
-            <a:off x="472106" y="1173794"/>
-            <a:ext cx="9563835" cy="5506139"/>
+            <a:off x="581191" y="1265438"/>
+            <a:ext cx="9400207" cy="5283411"/>
           </a:xfrm>
         </p:spPr>
         <p:txBody>
@@ -7368,117 +7665,85 @@
           </a:bodyPr>
           <a:lstStyle/>
           <a:p>
-            <a:pPr algn="just"/>
-            <a:r>
-              <a:rPr lang="en-US" sz="2000" b="1" i="0" dirty="0">
-                <a:effectLst/>
-                <a:latin typeface="Arial" panose="020B0604020202020204" pitchFamily="34" charset="0"/>
-                <a:cs typeface="Arial" panose="020B0604020202020204" pitchFamily="34" charset="0"/>
-              </a:rPr>
-              <a:t>Retail and Commercial Environments</a:t>
-            </a:r>
             <a:r>
               <a:rPr lang="en-US" sz="2000" b="0" i="0" dirty="0">
                 <a:effectLst/>
                 <a:latin typeface="Arial" panose="020B0604020202020204" pitchFamily="34" charset="0"/>
                 <a:cs typeface="Arial" panose="020B0604020202020204" pitchFamily="34" charset="0"/>
               </a:rPr>
-              <a:t>: Analyze visitor density in malls, stores, and commercial venues to improve customer experience, optimize staffing, and reduce bottlenecks.​ Manage queues and adjust entry/exit flows based on live occupancy data.</a:t>
-            </a:r>
-          </a:p>
-          <a:p>
-            <a:pPr algn="just"/>
-            <a:r>
-              <a:rPr lang="en-US" sz="2000" b="1" i="0" dirty="0">
-                <a:effectLst/>
-                <a:latin typeface="Arial" panose="020B0604020202020204" pitchFamily="34" charset="0"/>
-                <a:cs typeface="Arial" panose="020B0604020202020204" pitchFamily="34" charset="0"/>
-              </a:rPr>
-              <a:t>Public Safety and Event Management: </a:t>
-            </a:r>
+              <a:t>Sensor Fusion and IoT Integration: Connect multiple sensor types—such as cameras, LiDAR, thermal imaging, Wi-Fi, and RFID—to deliver more accurate crowd analysis, location tracking, and environmental awareness in real time.</a:t>
+            </a:r>
+          </a:p>
+          <a:p>
             <a:r>
               <a:rPr lang="en-US" sz="2000" b="0" i="0" dirty="0">
                 <a:effectLst/>
                 <a:latin typeface="Arial" panose="020B0604020202020204" pitchFamily="34" charset="0"/>
                 <a:cs typeface="Arial" panose="020B0604020202020204" pitchFamily="34" charset="0"/>
               </a:rPr>
-              <a:t>Monitor crowd density at large gatherings such as concerts, sporting events, and religious festivals to prevent overcrowding and stampedes. Detect unusual or risky behaviors and generate real-time alerts for security teams ​</a:t>
-            </a:r>
-          </a:p>
-          <a:p>
-            <a:pPr algn="just"/>
-            <a:r>
-              <a:rPr lang="en-US" sz="2000" b="1" i="0" dirty="0">
-                <a:effectLst/>
-                <a:latin typeface="Arial" panose="020B0604020202020204" pitchFamily="34" charset="0"/>
-                <a:cs typeface="Arial" panose="020B0604020202020204" pitchFamily="34" charset="0"/>
-              </a:rPr>
-              <a:t>Transport Hubs and City Spaces: </a:t>
-            </a:r>
+              <a:t>Behavior Analysis Beyond Counting: Enhance crowd analytics to recognize specific behaviors, sentiments, or anomalies (e.g., panic, aggression, distress) by integrating deep learning models capable of complex activity recognition.</a:t>
+            </a:r>
+            <a:endParaRPr lang="en-US" sz="2000" dirty="0">
+              <a:latin typeface="Arial" panose="020B0604020202020204" pitchFamily="34" charset="0"/>
+              <a:cs typeface="Arial" panose="020B0604020202020204" pitchFamily="34" charset="0"/>
+            </a:endParaRPr>
+          </a:p>
+          <a:p>
             <a:r>
               <a:rPr lang="en-US" sz="2000" b="0" i="0" dirty="0">
                 <a:effectLst/>
                 <a:latin typeface="Arial" panose="020B0604020202020204" pitchFamily="34" charset="0"/>
                 <a:cs typeface="Arial" panose="020B0604020202020204" pitchFamily="34" charset="0"/>
               </a:rPr>
-              <a:t>Track crowd movement and occupancy at airports, train stations, and bus terminals for efficient resource allocation and congestion prevention Assist city planners in analyzing pedestrian flow and optimizing urban design for safer and more accessible public spaces.</a:t>
-            </a:r>
-          </a:p>
-          <a:p>
-            <a:pPr algn="just"/>
-            <a:r>
-              <a:rPr lang="en-US" sz="2000" b="1" i="0" dirty="0">
-                <a:effectLst/>
-                <a:latin typeface="Arial" panose="020B0604020202020204" pitchFamily="34" charset="0"/>
-                <a:cs typeface="Arial" panose="020B0604020202020204" pitchFamily="34" charset="0"/>
-              </a:rPr>
-              <a:t>Threat Detection and Security</a:t>
-            </a:r>
-            <a:r>
-              <a:rPr lang="en-US" sz="2000" b="1" dirty="0">
-                <a:latin typeface="Arial" panose="020B0604020202020204" pitchFamily="34" charset="0"/>
-                <a:cs typeface="Arial" panose="020B0604020202020204" pitchFamily="34" charset="0"/>
-              </a:rPr>
-              <a:t>: </a:t>
-            </a:r>
+              <a:t>Edge Computing &amp; Real-Time Response: Employ edge computing with 5G connectivity to process video and sensor data directly at the source, reducing latency and enabling instant alerts and interventions during large-scale events.</a:t>
+            </a:r>
+          </a:p>
+          <a:p>
             <a:r>
               <a:rPr lang="en-US" sz="2000" b="0" i="0" dirty="0">
                 <a:effectLst/>
                 <a:latin typeface="Arial" panose="020B0604020202020204" pitchFamily="34" charset="0"/>
                 <a:cs typeface="Arial" panose="020B0604020202020204" pitchFamily="34" charset="0"/>
               </a:rPr>
-              <a:t>Identify potential threats like overcrowding, stampedes, and abnormal crowd movements using AI and machine learning models</a:t>
-            </a:r>
-            <a:r>
-              <a:rPr lang="en-US" sz="2000" dirty="0">
-                <a:latin typeface="Arial" panose="020B0604020202020204" pitchFamily="34" charset="0"/>
-                <a:cs typeface="Arial" panose="020B0604020202020204" pitchFamily="34" charset="0"/>
-              </a:rPr>
-              <a:t>. </a:t>
-            </a:r>
-            <a:r>
-              <a:rPr lang="en-US" sz="2000" b="0" i="0" dirty="0">
-                <a:effectLst/>
-                <a:latin typeface="Arial" panose="020B0604020202020204" pitchFamily="34" charset="0"/>
-                <a:cs typeface="Arial" panose="020B0604020202020204" pitchFamily="34" charset="0"/>
-              </a:rPr>
-              <a:t>Facilitate quick incident response by integrating alerts and logs with emergency services systems.</a:t>
-            </a:r>
-          </a:p>
-          <a:p>
-            <a:pPr algn="just"/>
-            <a:endParaRPr lang="en-US" sz="2000" b="0" i="0" dirty="0">
-              <a:effectLst/>
-              <a:latin typeface="Arial" panose="020B0604020202020204" pitchFamily="34" charset="0"/>
-              <a:cs typeface="Arial" panose="020B0604020202020204" pitchFamily="34" charset="0"/>
-            </a:endParaRPr>
-          </a:p>
-        </p:txBody>
-      </p:sp>
+              <a:t>AI-Powered Predictive Analytics: Integrate advanced AI models that use historical and real-time data to forecast crowd behaviors, movement patterns, and potential risks, enabling proactive safety measures and optimized event planning.</a:t>
+            </a:r>
+          </a:p>
+        </p:txBody>
+      </p:sp>
+      <p:pic>
+        <p:nvPicPr>
+          <p:cNvPr id="4" name="Picture 3">
+            <a:extLst>
+              <a:ext uri="{FF2B5EF4-FFF2-40B4-BE49-F238E27FC236}">
+                <a16:creationId xmlns:a16="http://schemas.microsoft.com/office/drawing/2014/main" id="{35091CD5-3743-4A21-B8ED-01C980D292B5}"/>
+              </a:ext>
+            </a:extLst>
+          </p:cNvPr>
+          <p:cNvPicPr>
+            <a:picLocks noChangeAspect="1"/>
+          </p:cNvPicPr>
+          <p:nvPr/>
+        </p:nvPicPr>
+        <p:blipFill>
+          <a:blip r:embed="rId2"/>
+          <a:stretch>
+            <a:fillRect/>
+          </a:stretch>
+        </p:blipFill>
+        <p:spPr>
+          <a:xfrm>
+            <a:off x="279132" y="168442"/>
+            <a:ext cx="1636295" cy="506110"/>
+          </a:xfrm>
+          <a:prstGeom prst="rect">
+            <a:avLst/>
+          </a:prstGeom>
+        </p:spPr>
+      </p:pic>
     </p:spTree>
     <p:extLst>
       <p:ext uri="{BB962C8B-B14F-4D97-AF65-F5344CB8AC3E}">
-        <p14:creationId xmlns:p14="http://schemas.microsoft.com/office/powerpoint/2010/main" val="4238824862"/>
+        <p14:creationId xmlns:p14="http://schemas.microsoft.com/office/powerpoint/2010/main" val="2401659012"/>
       </p:ext>
     </p:extLst>
   </p:cSld>
@@ -7510,148 +7775,6 @@
           <p:cNvPr id="2" name="Title 1">
             <a:extLst>
               <a:ext uri="{FF2B5EF4-FFF2-40B4-BE49-F238E27FC236}">
-                <a16:creationId xmlns:a16="http://schemas.microsoft.com/office/drawing/2014/main" id="{AFB5A2ED-BEFF-43D0-A25E-AD34FA6EEF36}"/>
-              </a:ext>
-            </a:extLst>
-          </p:cNvPr>
-          <p:cNvSpPr>
-            <a:spLocks noGrp="1"/>
-          </p:cNvSpPr>
-          <p:nvPr>
-            <p:ph type="title"/>
-          </p:nvPr>
-        </p:nvSpPr>
-        <p:spPr>
-          <a:xfrm>
-            <a:off x="581192" y="309150"/>
-            <a:ext cx="11029616" cy="591465"/>
-          </a:xfrm>
-        </p:spPr>
-        <p:txBody>
-          <a:bodyPr>
-            <a:normAutofit/>
-          </a:bodyPr>
-          <a:lstStyle/>
-          <a:p>
-            <a:r>
-              <a:rPr lang="en-US" sz="3200" b="1" dirty="0">
-                <a:latin typeface="Arial" panose="020B0604020202020204" pitchFamily="34" charset="0"/>
-                <a:cs typeface="Arial" panose="020B0604020202020204" pitchFamily="34" charset="0"/>
-              </a:rPr>
-              <a:t>FUTURE ENHANCEMENT</a:t>
-            </a:r>
-            <a:endParaRPr lang="en-US" sz="3200" b="1" dirty="0"/>
-          </a:p>
-        </p:txBody>
-      </p:sp>
-      <p:sp>
-        <p:nvSpPr>
-          <p:cNvPr id="3" name="Content Placeholder 2">
-            <a:extLst>
-              <a:ext uri="{FF2B5EF4-FFF2-40B4-BE49-F238E27FC236}">
-                <a16:creationId xmlns:a16="http://schemas.microsoft.com/office/drawing/2014/main" id="{2F2F1C32-5536-467D-8B85-E43940C129F1}"/>
-              </a:ext>
-            </a:extLst>
-          </p:cNvPr>
-          <p:cNvSpPr>
-            <a:spLocks noGrp="1"/>
-          </p:cNvSpPr>
-          <p:nvPr>
-            <p:ph idx="1"/>
-          </p:nvPr>
-        </p:nvSpPr>
-        <p:spPr>
-          <a:xfrm>
-            <a:off x="581191" y="1265438"/>
-            <a:ext cx="9400207" cy="5283411"/>
-          </a:xfrm>
-        </p:spPr>
-        <p:txBody>
-          <a:bodyPr>
-            <a:noAutofit/>
-          </a:bodyPr>
-          <a:lstStyle/>
-          <a:p>
-            <a:r>
-              <a:rPr lang="en-US" sz="2000" b="0" i="0" dirty="0">
-                <a:effectLst/>
-                <a:latin typeface="Arial" panose="020B0604020202020204" pitchFamily="34" charset="0"/>
-                <a:cs typeface="Arial" panose="020B0604020202020204" pitchFamily="34" charset="0"/>
-              </a:rPr>
-              <a:t>Sensor Fusion and IoT Integration: Connect multiple sensor types—such as cameras, LiDAR, thermal imaging, Wi-Fi, and RFID—to deliver more accurate crowd analysis, location tracking, and environmental awareness in real time.</a:t>
-            </a:r>
-          </a:p>
-          <a:p>
-            <a:r>
-              <a:rPr lang="en-US" sz="2000" b="0" i="0" dirty="0">
-                <a:effectLst/>
-                <a:latin typeface="Arial" panose="020B0604020202020204" pitchFamily="34" charset="0"/>
-                <a:cs typeface="Arial" panose="020B0604020202020204" pitchFamily="34" charset="0"/>
-              </a:rPr>
-              <a:t>Behavior Analysis Beyond Counting: Enhance crowd analytics to recognize specific behaviors, sentiments, or anomalies (e.g., panic, aggression, distress) by integrating deep learning models capable of complex activity recognition.</a:t>
-            </a:r>
-            <a:endParaRPr lang="en-US" sz="2000" dirty="0">
-              <a:latin typeface="Arial" panose="020B0604020202020204" pitchFamily="34" charset="0"/>
-              <a:cs typeface="Arial" panose="020B0604020202020204" pitchFamily="34" charset="0"/>
-            </a:endParaRPr>
-          </a:p>
-          <a:p>
-            <a:r>
-              <a:rPr lang="en-US" sz="2000" b="0" i="0" dirty="0">
-                <a:effectLst/>
-                <a:latin typeface="Arial" panose="020B0604020202020204" pitchFamily="34" charset="0"/>
-                <a:cs typeface="Arial" panose="020B0604020202020204" pitchFamily="34" charset="0"/>
-              </a:rPr>
-              <a:t>Edge Computing &amp; Real-Time Response: Employ edge computing with 5G connectivity to process video and sensor data directly at the source, reducing latency and enabling instant alerts and interventions during large-scale events.</a:t>
-            </a:r>
-          </a:p>
-          <a:p>
-            <a:r>
-              <a:rPr lang="en-US" sz="2000" b="0" i="0" dirty="0">
-                <a:effectLst/>
-                <a:latin typeface="Arial" panose="020B0604020202020204" pitchFamily="34" charset="0"/>
-                <a:cs typeface="Arial" panose="020B0604020202020204" pitchFamily="34" charset="0"/>
-              </a:rPr>
-              <a:t>AI-Powered Predictive Analytics: Integrate advanced AI models that use historical and real-time data to forecast crowd behaviors, movement patterns, and potential risks, enabling proactive safety measures and optimized event planning.</a:t>
-            </a:r>
-          </a:p>
-        </p:txBody>
-      </p:sp>
-    </p:spTree>
-    <p:extLst>
-      <p:ext uri="{BB962C8B-B14F-4D97-AF65-F5344CB8AC3E}">
-        <p14:creationId xmlns:p14="http://schemas.microsoft.com/office/powerpoint/2010/main" val="2401659012"/>
-      </p:ext>
-    </p:extLst>
-  </p:cSld>
-  <p:clrMapOvr>
-    <a:masterClrMapping/>
-  </p:clrMapOvr>
-</p:sld>
-</file>
-
-<file path=ppt/slides/slide17.xml><?xml version="1.0" encoding="utf-8"?>
-<p:sld xmlns:a="http://schemas.openxmlformats.org/drawingml/2006/main" xmlns:r="http://schemas.openxmlformats.org/officeDocument/2006/relationships" xmlns:p="http://schemas.openxmlformats.org/presentationml/2006/main">
-  <p:cSld>
-    <p:spTree>
-      <p:nvGrpSpPr>
-        <p:cNvPr id="1" name=""/>
-        <p:cNvGrpSpPr/>
-        <p:nvPr/>
-      </p:nvGrpSpPr>
-      <p:grpSpPr>
-        <a:xfrm>
-          <a:off x="0" y="0"/>
-          <a:ext cx="0" cy="0"/>
-          <a:chOff x="0" y="0"/>
-          <a:chExt cx="0" cy="0"/>
-        </a:xfrm>
-      </p:grpSpPr>
-      <p:sp>
-        <p:nvSpPr>
-          <p:cNvPr id="2" name="Title 1">
-            <a:extLst>
-              <a:ext uri="{FF2B5EF4-FFF2-40B4-BE49-F238E27FC236}">
                 <a16:creationId xmlns:a16="http://schemas.microsoft.com/office/drawing/2014/main" id="{D8864653-F245-4D5E-B55D-AB3564E23840}"/>
               </a:ext>
             </a:extLst>
@@ -7665,14 +7788,15 @@
         </p:nvSpPr>
         <p:spPr>
           <a:xfrm>
-            <a:off x="581192" y="391761"/>
-            <a:ext cx="11029616" cy="610716"/>
+            <a:off x="648569" y="674552"/>
+            <a:ext cx="9226950" cy="610716"/>
           </a:xfrm>
         </p:spPr>
         <p:txBody>
           <a:bodyPr/>
           <a:lstStyle/>
           <a:p>
+            <a:pPr algn="ctr"/>
             <a:r>
               <a:rPr lang="en-US" sz="3200" b="1" dirty="0">
                 <a:latin typeface="Arial" panose="020B0604020202020204" pitchFamily="34" charset="0"/>
@@ -7746,6 +7870,36 @@
           </a:p>
         </p:txBody>
       </p:sp>
+      <p:pic>
+        <p:nvPicPr>
+          <p:cNvPr id="4" name="Picture 3">
+            <a:extLst>
+              <a:ext uri="{FF2B5EF4-FFF2-40B4-BE49-F238E27FC236}">
+                <a16:creationId xmlns:a16="http://schemas.microsoft.com/office/drawing/2014/main" id="{2AD9B933-CD33-48C7-ACF8-910463B5C5ED}"/>
+              </a:ext>
+            </a:extLst>
+          </p:cNvPr>
+          <p:cNvPicPr>
+            <a:picLocks noChangeAspect="1"/>
+          </p:cNvPicPr>
+          <p:nvPr/>
+        </p:nvPicPr>
+        <p:blipFill>
+          <a:blip r:embed="rId2"/>
+          <a:stretch>
+            <a:fillRect/>
+          </a:stretch>
+        </p:blipFill>
+        <p:spPr>
+          <a:xfrm>
+            <a:off x="279132" y="168442"/>
+            <a:ext cx="1636295" cy="506110"/>
+          </a:xfrm>
+          <a:prstGeom prst="rect">
+            <a:avLst/>
+          </a:prstGeom>
+        </p:spPr>
+      </p:pic>
     </p:spTree>
     <p:extLst>
       <p:ext uri="{BB962C8B-B14F-4D97-AF65-F5344CB8AC3E}">
@@ -7759,7 +7913,7 @@
 </p:sld>
 </file>
 
-<file path=ppt/slides/slide18.xml><?xml version="1.0" encoding="utf-8"?>
+<file path=ppt/slides/slide17.xml><?xml version="1.0" encoding="utf-8"?>
 <p:sld xmlns:a="http://schemas.openxmlformats.org/drawingml/2006/main" xmlns:r="http://schemas.openxmlformats.org/officeDocument/2006/relationships" xmlns:p="http://schemas.openxmlformats.org/presentationml/2006/main">
   <p:cSld>
     <p:spTree>
@@ -7902,6 +8056,36 @@
           </a:p>
         </p:txBody>
       </p:sp>
+      <p:pic>
+        <p:nvPicPr>
+          <p:cNvPr id="4" name="Picture 3">
+            <a:extLst>
+              <a:ext uri="{FF2B5EF4-FFF2-40B4-BE49-F238E27FC236}">
+                <a16:creationId xmlns:a16="http://schemas.microsoft.com/office/drawing/2014/main" id="{4A42E9D3-74C1-46B7-B6B8-F7A4E07D5505}"/>
+              </a:ext>
+            </a:extLst>
+          </p:cNvPr>
+          <p:cNvPicPr>
+            <a:picLocks noChangeAspect="1"/>
+          </p:cNvPicPr>
+          <p:nvPr/>
+        </p:nvPicPr>
+        <p:blipFill>
+          <a:blip r:embed="rId2"/>
+          <a:stretch>
+            <a:fillRect/>
+          </a:stretch>
+        </p:blipFill>
+        <p:spPr>
+          <a:xfrm>
+            <a:off x="279132" y="226193"/>
+            <a:ext cx="1636295" cy="506110"/>
+          </a:xfrm>
+          <a:prstGeom prst="rect">
+            <a:avLst/>
+          </a:prstGeom>
+        </p:spPr>
+      </p:pic>
     </p:spTree>
     <p:extLst>
       <p:ext uri="{BB962C8B-B14F-4D97-AF65-F5344CB8AC3E}">
@@ -7950,8 +8134,8 @@
         </p:nvSpPr>
         <p:spPr>
           <a:xfrm>
-            <a:off x="581192" y="654518"/>
-            <a:ext cx="11029616" cy="658842"/>
+            <a:off x="2599055" y="673769"/>
+            <a:ext cx="6993890" cy="658842"/>
           </a:xfrm>
         </p:spPr>
         <p:txBody>
@@ -7960,10 +8144,7 @@
           </a:bodyPr>
           <a:lstStyle/>
           <a:p>
-            <a:r>
-              <a:rPr lang="en-US" sz="3200" b="1" cap="none" dirty="0"/>
-              <a:t>      </a:t>
-            </a:r>
+            <a:pPr algn="ctr"/>
             <a:r>
               <a:rPr lang="en-US" sz="3200" b="1" cap="none" dirty="0">
                 <a:latin typeface="Arial" panose="020B0604020202020204" pitchFamily="34" charset="0"/>
@@ -7992,8 +8173,8 @@
         </p:nvSpPr>
         <p:spPr>
           <a:xfrm>
-            <a:off x="1091330" y="1428863"/>
-            <a:ext cx="10420485" cy="5183693"/>
+            <a:off x="2522052" y="1505865"/>
+            <a:ext cx="7147895" cy="5183693"/>
           </a:xfrm>
         </p:spPr>
         <p:txBody>
@@ -8084,6 +8265,36 @@
           </a:p>
         </p:txBody>
       </p:sp>
+      <p:pic>
+        <p:nvPicPr>
+          <p:cNvPr id="6" name="Picture 5">
+            <a:extLst>
+              <a:ext uri="{FF2B5EF4-FFF2-40B4-BE49-F238E27FC236}">
+                <a16:creationId xmlns:a16="http://schemas.microsoft.com/office/drawing/2014/main" id="{2F73290B-BDB4-4ED7-895F-FD21C09D6903}"/>
+              </a:ext>
+            </a:extLst>
+          </p:cNvPr>
+          <p:cNvPicPr>
+            <a:picLocks noChangeAspect="1"/>
+          </p:cNvPicPr>
+          <p:nvPr/>
+        </p:nvPicPr>
+        <p:blipFill>
+          <a:blip r:embed="rId2"/>
+          <a:stretch>
+            <a:fillRect/>
+          </a:stretch>
+        </p:blipFill>
+        <p:spPr>
+          <a:xfrm>
+            <a:off x="279132" y="168442"/>
+            <a:ext cx="1636295" cy="506110"/>
+          </a:xfrm>
+          <a:prstGeom prst="rect">
+            <a:avLst/>
+          </a:prstGeom>
+        </p:spPr>
+      </p:pic>
     </p:spTree>
     <p:extLst>
       <p:ext uri="{BB962C8B-B14F-4D97-AF65-F5344CB8AC3E}">
@@ -8133,7 +8344,7 @@
         <p:spPr>
           <a:xfrm>
             <a:off x="465690" y="668731"/>
-            <a:ext cx="11029616" cy="697343"/>
+            <a:ext cx="9640836" cy="697343"/>
           </a:xfrm>
         </p:spPr>
         <p:txBody>
@@ -8142,6 +8353,7 @@
           </a:bodyPr>
           <a:lstStyle/>
           <a:p>
+            <a:pPr algn="ctr"/>
             <a:r>
               <a:rPr lang="en-US" sz="3200" b="1" dirty="0">
                 <a:latin typeface="Arial" panose="020B0604020202020204" pitchFamily="34" charset="0"/>
@@ -8215,6 +8427,36 @@
           </a:p>
         </p:txBody>
       </p:sp>
+      <p:pic>
+        <p:nvPicPr>
+          <p:cNvPr id="6" name="Picture 5">
+            <a:extLst>
+              <a:ext uri="{FF2B5EF4-FFF2-40B4-BE49-F238E27FC236}">
+                <a16:creationId xmlns:a16="http://schemas.microsoft.com/office/drawing/2014/main" id="{BFD1FC13-8A66-4254-87CA-0CF5D596BA22}"/>
+              </a:ext>
+            </a:extLst>
+          </p:cNvPr>
+          <p:cNvPicPr>
+            <a:picLocks noChangeAspect="1"/>
+          </p:cNvPicPr>
+          <p:nvPr/>
+        </p:nvPicPr>
+        <p:blipFill>
+          <a:blip r:embed="rId2"/>
+          <a:stretch>
+            <a:fillRect/>
+          </a:stretch>
+        </p:blipFill>
+        <p:spPr>
+          <a:xfrm>
+            <a:off x="279132" y="168442"/>
+            <a:ext cx="1636295" cy="506110"/>
+          </a:xfrm>
+          <a:prstGeom prst="rect">
+            <a:avLst/>
+          </a:prstGeom>
+        </p:spPr>
+      </p:pic>
     </p:spTree>
     <p:extLst>
       <p:ext uri="{BB962C8B-B14F-4D97-AF65-F5344CB8AC3E}">
@@ -8263,7 +8505,7 @@
         </p:nvSpPr>
         <p:spPr>
           <a:xfrm>
-            <a:off x="898715" y="551848"/>
+            <a:off x="1129722" y="840606"/>
             <a:ext cx="8596668" cy="834189"/>
           </a:xfrm>
         </p:spPr>
@@ -8273,6 +8515,7 @@
           </a:bodyPr>
           <a:lstStyle/>
           <a:p>
+            <a:pPr algn="ctr"/>
             <a:r>
               <a:rPr lang="en-US" sz="3200" b="1" dirty="0">
                 <a:latin typeface="Arial" panose="020B0604020202020204" pitchFamily="34" charset="0"/>
@@ -8330,6 +8573,36 @@
           </a:p>
         </p:txBody>
       </p:sp>
+      <p:pic>
+        <p:nvPicPr>
+          <p:cNvPr id="6" name="Picture 5">
+            <a:extLst>
+              <a:ext uri="{FF2B5EF4-FFF2-40B4-BE49-F238E27FC236}">
+                <a16:creationId xmlns:a16="http://schemas.microsoft.com/office/drawing/2014/main" id="{5EF5C349-40BE-40A3-955B-AF8A11A62DF5}"/>
+              </a:ext>
+            </a:extLst>
+          </p:cNvPr>
+          <p:cNvPicPr>
+            <a:picLocks noChangeAspect="1"/>
+          </p:cNvPicPr>
+          <p:nvPr/>
+        </p:nvPicPr>
+        <p:blipFill>
+          <a:blip r:embed="rId2"/>
+          <a:stretch>
+            <a:fillRect/>
+          </a:stretch>
+        </p:blipFill>
+        <p:spPr>
+          <a:xfrm>
+            <a:off x="279132" y="168442"/>
+            <a:ext cx="1636295" cy="506110"/>
+          </a:xfrm>
+          <a:prstGeom prst="rect">
+            <a:avLst/>
+          </a:prstGeom>
+        </p:spPr>
+      </p:pic>
     </p:spTree>
     <p:extLst>
       <p:ext uri="{BB962C8B-B14F-4D97-AF65-F5344CB8AC3E}">
@@ -8378,8 +8651,8 @@
         </p:nvSpPr>
         <p:spPr>
           <a:xfrm>
-            <a:off x="581192" y="346510"/>
-            <a:ext cx="11029616" cy="723345"/>
+            <a:off x="3744227" y="452388"/>
+            <a:ext cx="6913680" cy="723345"/>
           </a:xfrm>
         </p:spPr>
         <p:txBody>
@@ -8502,6 +8775,36 @@
           </a:p>
         </p:txBody>
       </p:sp>
+      <p:pic>
+        <p:nvPicPr>
+          <p:cNvPr id="5" name="Picture 4">
+            <a:extLst>
+              <a:ext uri="{FF2B5EF4-FFF2-40B4-BE49-F238E27FC236}">
+                <a16:creationId xmlns:a16="http://schemas.microsoft.com/office/drawing/2014/main" id="{2AD4D98D-9FCA-4459-B078-0AE829326E63}"/>
+              </a:ext>
+            </a:extLst>
+          </p:cNvPr>
+          <p:cNvPicPr>
+            <a:picLocks noChangeAspect="1"/>
+          </p:cNvPicPr>
+          <p:nvPr/>
+        </p:nvPicPr>
+        <p:blipFill>
+          <a:blip r:embed="rId2"/>
+          <a:stretch>
+            <a:fillRect/>
+          </a:stretch>
+        </p:blipFill>
+        <p:spPr>
+          <a:xfrm>
+            <a:off x="279132" y="168442"/>
+            <a:ext cx="1636295" cy="506110"/>
+          </a:xfrm>
+          <a:prstGeom prst="rect">
+            <a:avLst/>
+          </a:prstGeom>
+        </p:spPr>
+      </p:pic>
     </p:spTree>
     <p:extLst>
       <p:ext uri="{BB962C8B-B14F-4D97-AF65-F5344CB8AC3E}">
@@ -8550,7 +8853,7 @@
         </p:nvSpPr>
         <p:spPr>
           <a:xfrm>
-            <a:off x="157681" y="83998"/>
+            <a:off x="3340199" y="74133"/>
             <a:ext cx="4221814" cy="706969"/>
           </a:xfrm>
         </p:spPr>
@@ -9218,6 +9521,36 @@
           </a:p>
         </p:txBody>
       </p:sp>
+      <p:pic>
+        <p:nvPicPr>
+          <p:cNvPr id="17" name="Picture 16">
+            <a:extLst>
+              <a:ext uri="{FF2B5EF4-FFF2-40B4-BE49-F238E27FC236}">
+                <a16:creationId xmlns:a16="http://schemas.microsoft.com/office/drawing/2014/main" id="{D93B673D-0B54-4146-936D-FA9E5EAD0D54}"/>
+              </a:ext>
+            </a:extLst>
+          </p:cNvPr>
+          <p:cNvPicPr>
+            <a:picLocks noChangeAspect="1"/>
+          </p:cNvPicPr>
+          <p:nvPr/>
+        </p:nvPicPr>
+        <p:blipFill>
+          <a:blip r:embed="rId2"/>
+          <a:stretch>
+            <a:fillRect/>
+          </a:stretch>
+        </p:blipFill>
+        <p:spPr>
+          <a:xfrm>
+            <a:off x="279132" y="168442"/>
+            <a:ext cx="1636295" cy="506110"/>
+          </a:xfrm>
+          <a:prstGeom prst="rect">
+            <a:avLst/>
+          </a:prstGeom>
+        </p:spPr>
+      </p:pic>
     </p:spTree>
     <p:extLst>
       <p:ext uri="{BB962C8B-B14F-4D97-AF65-F5344CB8AC3E}">
@@ -9276,6 +9609,7 @@
           </a:bodyPr>
           <a:lstStyle/>
           <a:p>
+            <a:pPr algn="ctr"/>
             <a:r>
               <a:rPr lang="en-US" sz="3200" b="1" dirty="0">
                 <a:latin typeface="Arial" panose="020B0604020202020204" pitchFamily="34" charset="0"/>
@@ -10899,6 +11233,36 @@
           </a:graphicData>
         </a:graphic>
       </p:graphicFrame>
+      <p:pic>
+        <p:nvPicPr>
+          <p:cNvPr id="4" name="Picture 3">
+            <a:extLst>
+              <a:ext uri="{FF2B5EF4-FFF2-40B4-BE49-F238E27FC236}">
+                <a16:creationId xmlns:a16="http://schemas.microsoft.com/office/drawing/2014/main" id="{9A95EEE9-AB3B-47F6-800C-F49B98E05333}"/>
+              </a:ext>
+            </a:extLst>
+          </p:cNvPr>
+          <p:cNvPicPr>
+            <a:picLocks noChangeAspect="1"/>
+          </p:cNvPicPr>
+          <p:nvPr/>
+        </p:nvPicPr>
+        <p:blipFill>
+          <a:blip r:embed="rId2"/>
+          <a:stretch>
+            <a:fillRect/>
+          </a:stretch>
+        </p:blipFill>
+        <p:spPr>
+          <a:xfrm>
+            <a:off x="279132" y="168442"/>
+            <a:ext cx="1636295" cy="506110"/>
+          </a:xfrm>
+          <a:prstGeom prst="rect">
+            <a:avLst/>
+          </a:prstGeom>
+        </p:spPr>
+      </p:pic>
     </p:spTree>
     <p:extLst>
       <p:ext uri="{BB962C8B-B14F-4D97-AF65-F5344CB8AC3E}">
@@ -12174,6 +12538,36 @@
           </a:graphicData>
         </a:graphic>
       </p:graphicFrame>
+      <p:pic>
+        <p:nvPicPr>
+          <p:cNvPr id="3" name="Picture 2">
+            <a:extLst>
+              <a:ext uri="{FF2B5EF4-FFF2-40B4-BE49-F238E27FC236}">
+                <a16:creationId xmlns:a16="http://schemas.microsoft.com/office/drawing/2014/main" id="{8B516898-4F12-4030-8087-262AE792B756}"/>
+              </a:ext>
+            </a:extLst>
+          </p:cNvPr>
+          <p:cNvPicPr>
+            <a:picLocks noChangeAspect="1"/>
+          </p:cNvPicPr>
+          <p:nvPr/>
+        </p:nvPicPr>
+        <p:blipFill>
+          <a:blip r:embed="rId2"/>
+          <a:stretch>
+            <a:fillRect/>
+          </a:stretch>
+        </p:blipFill>
+        <p:spPr>
+          <a:xfrm>
+            <a:off x="279132" y="168442"/>
+            <a:ext cx="1636295" cy="506110"/>
+          </a:xfrm>
+          <a:prstGeom prst="rect">
+            <a:avLst/>
+          </a:prstGeom>
+        </p:spPr>
+      </p:pic>
     </p:spTree>
     <p:extLst>
       <p:ext uri="{BB962C8B-B14F-4D97-AF65-F5344CB8AC3E}">
@@ -12232,6 +12626,7 @@
           </a:bodyPr>
           <a:lstStyle/>
           <a:p>
+            <a:pPr algn="ctr"/>
             <a:r>
               <a:rPr lang="en-US" sz="3200" b="1" dirty="0">
                 <a:latin typeface="Arial" panose="020B0604020202020204" pitchFamily="34" charset="0"/>
@@ -12267,8 +12662,8 @@
         </p:blipFill>
         <p:spPr>
           <a:xfrm>
-            <a:off x="364622" y="1882044"/>
-            <a:ext cx="5573542" cy="4720887"/>
+            <a:off x="885369" y="1311756"/>
+            <a:ext cx="3916422" cy="2573183"/>
           </a:xfrm>
         </p:spPr>
       </p:pic>
@@ -12294,8 +12689,8 @@
         </p:blipFill>
         <p:spPr>
           <a:xfrm>
-            <a:off x="6186461" y="1882044"/>
-            <a:ext cx="5074118" cy="4720887"/>
+            <a:off x="5838158" y="1211375"/>
+            <a:ext cx="4576377" cy="5280208"/>
           </a:xfrm>
           <a:prstGeom prst="rect">
             <a:avLst/>
@@ -12316,7 +12711,7 @@
         </p:nvSpPr>
         <p:spPr>
           <a:xfrm>
-            <a:off x="417663" y="1057464"/>
+            <a:off x="311225" y="693521"/>
             <a:ext cx="6097604" cy="584775"/>
           </a:xfrm>
           <a:prstGeom prst="rect">
@@ -12341,6 +12736,66 @@
           </a:p>
         </p:txBody>
       </p:sp>
+      <p:pic>
+        <p:nvPicPr>
+          <p:cNvPr id="6" name="Picture 5">
+            <a:extLst>
+              <a:ext uri="{FF2B5EF4-FFF2-40B4-BE49-F238E27FC236}">
+                <a16:creationId xmlns:a16="http://schemas.microsoft.com/office/drawing/2014/main" id="{04FF1701-DE27-404D-A628-FBC74DBE86AD}"/>
+              </a:ext>
+            </a:extLst>
+          </p:cNvPr>
+          <p:cNvPicPr>
+            <a:picLocks noChangeAspect="1"/>
+          </p:cNvPicPr>
+          <p:nvPr/>
+        </p:nvPicPr>
+        <p:blipFill>
+          <a:blip r:embed="rId4"/>
+          <a:stretch>
+            <a:fillRect/>
+          </a:stretch>
+        </p:blipFill>
+        <p:spPr>
+          <a:xfrm>
+            <a:off x="279132" y="168442"/>
+            <a:ext cx="1636295" cy="506110"/>
+          </a:xfrm>
+          <a:prstGeom prst="rect">
+            <a:avLst/>
+          </a:prstGeom>
+        </p:spPr>
+      </p:pic>
+      <p:pic>
+        <p:nvPicPr>
+          <p:cNvPr id="7" name="Content Placeholder 4">
+            <a:extLst>
+              <a:ext uri="{FF2B5EF4-FFF2-40B4-BE49-F238E27FC236}">
+                <a16:creationId xmlns:a16="http://schemas.microsoft.com/office/drawing/2014/main" id="{410A1BA8-FF14-4066-8EB5-9FA969EACE1B}"/>
+              </a:ext>
+            </a:extLst>
+          </p:cNvPr>
+          <p:cNvPicPr>
+            <a:picLocks noChangeAspect="1"/>
+          </p:cNvPicPr>
+          <p:nvPr/>
+        </p:nvPicPr>
+        <p:blipFill>
+          <a:blip r:embed="rId5"/>
+          <a:stretch>
+            <a:fillRect/>
+          </a:stretch>
+        </p:blipFill>
+        <p:spPr>
+          <a:xfrm>
+            <a:off x="885370" y="4029748"/>
+            <a:ext cx="3916421" cy="2573183"/>
+          </a:xfrm>
+          <a:prstGeom prst="rect">
+            <a:avLst/>
+          </a:prstGeom>
+        </p:spPr>
+      </p:pic>
     </p:spTree>
     <p:extLst>
       <p:ext uri="{BB962C8B-B14F-4D97-AF65-F5344CB8AC3E}">
@@ -12907,6 +13362,15 @@
 </file>
 
 <file path=customXml/item1.xml><?xml version="1.0" encoding="utf-8"?>
+<?mso-contentType ?>
+<FormTemplates xmlns="http://schemas.microsoft.com/sharepoint/v3/contenttype/forms">
+  <Display>DocumentLibraryForm</Display>
+  <Edit>DocumentLibraryForm</Edit>
+  <New>DocumentLibraryForm</New>
+</FormTemplates>
+</file>
+
+<file path=customXml/item2.xml><?xml version="1.0" encoding="utf-8"?>
 <ct:contentTypeSchema xmlns:ct="http://schemas.microsoft.com/office/2006/metadata/contentType" xmlns:ma="http://schemas.microsoft.com/office/2006/metadata/properties/metaAttributes" ct:_="" ma:_="" ma:contentTypeName="Document" ma:contentTypeID="0x01010079F111ED35F8CC479449609E8A0923A6" ma:contentTypeVersion="12" ma:contentTypeDescription="Create a new document." ma:contentTypeScope="" ma:versionID="a410dd7f93c95333ffa1b60ed6adedd1">
   <xsd:schema xmlns:xsd="http://www.w3.org/2001/XMLSchema" xmlns:xs="http://www.w3.org/2001/XMLSchema" xmlns:p="http://schemas.microsoft.com/office/2006/metadata/properties" xmlns:ns2="71af3243-3dd4-4a8d-8c0d-dd76da1f02a5" xmlns:ns3="16c05727-aa75-4e4a-9b5f-8a80a1165891" targetNamespace="http://schemas.microsoft.com/office/2006/metadata/properties" ma:root="true" ma:fieldsID="a936d9baba76aa3866493feff160faab" ns2:_="" ns3:_="">
     <xsd:import namespace="71af3243-3dd4-4a8d-8c0d-dd76da1f02a5"/>
@@ -13127,15 +13591,6 @@
 </ct:contentTypeSchema>
 </file>
 
-<file path=customXml/item2.xml><?xml version="1.0" encoding="utf-8"?>
-<?mso-contentType ?>
-<FormTemplates xmlns="http://schemas.microsoft.com/sharepoint/v3/contenttype/forms">
-  <Display>DocumentLibraryForm</Display>
-  <Edit>DocumentLibraryForm</Edit>
-  <New>DocumentLibraryForm</New>
-</FormTemplates>
-</file>
-
 <file path=customXml/item3.xml><?xml version="1.0" encoding="utf-8"?>
 <p:properties xmlns:p="http://schemas.microsoft.com/office/2006/metadata/properties" xmlns:xsi="http://www.w3.org/2001/XMLSchema-instance" xmlns:pc="http://schemas.microsoft.com/office/infopath/2007/PartnerControls">
   <documentManagement>
@@ -13146,6 +13601,14 @@
 </file>
 
 <file path=customXml/itemProps1.xml><?xml version="1.0" encoding="utf-8"?>
+<ds:datastoreItem xmlns:ds="http://schemas.openxmlformats.org/officeDocument/2006/customXml" ds:itemID="{927BD4C1-B6B1-4715-ABF9-E660A51A4EA0}">
+  <ds:schemaRefs>
+    <ds:schemaRef ds:uri="http://schemas.microsoft.com/sharepoint/v3/contenttype/forms"/>
+  </ds:schemaRefs>
+</ds:datastoreItem>
+</file>
+
+<file path=customXml/itemProps2.xml><?xml version="1.0" encoding="utf-8"?>
 <ds:datastoreItem xmlns:ds="http://schemas.openxmlformats.org/officeDocument/2006/customXml" ds:itemID="{41E7CA09-9778-4414-AE97-8064B12DA30E}">
   <ds:schemaRefs>
     <ds:schemaRef ds:uri="http://schemas.microsoft.com/office/2006/metadata/contentType"/>
@@ -13164,14 +13627,6 @@
 </ds:datastoreItem>
 </file>
 
-<file path=customXml/itemProps2.xml><?xml version="1.0" encoding="utf-8"?>
-<ds:datastoreItem xmlns:ds="http://schemas.openxmlformats.org/officeDocument/2006/customXml" ds:itemID="{927BD4C1-B6B1-4715-ABF9-E660A51A4EA0}">
-  <ds:schemaRefs>
-    <ds:schemaRef ds:uri="http://schemas.microsoft.com/sharepoint/v3/contenttype/forms"/>
-  </ds:schemaRefs>
-</ds:datastoreItem>
-</file>
-
 <file path=customXml/itemProps3.xml><?xml version="1.0" encoding="utf-8"?>
 <ds:datastoreItem xmlns:ds="http://schemas.openxmlformats.org/officeDocument/2006/customXml" ds:itemID="{8D289AE2-D2AE-49D1-AFAC-3A79F6794255}">
   <ds:schemaRefs>
